--- a/pp/scala/scala.pptx
+++ b/pp/scala/scala.pptx
@@ -207,7 +207,7 @@
             <a:fld id="{A92C8068-8777-4042-95E4-DDEA4655F6BC}" type="datetimeFigureOut">
               <a:rPr lang="en-US" smtClean="0"/>
               <a:pPr/>
-              <a:t>10/25/2009</a:t>
+              <a:t>10/27/2009</a:t>
             </a:fld>
             <a:endParaRPr lang="en-US"/>
           </a:p>
@@ -1181,7 +1181,7 @@
             <a:fld id="{E462F2BE-758A-41B1-9712-5419755F4487}" type="datetimeFigureOut">
               <a:rPr lang="en-US" smtClean="0"/>
               <a:pPr/>
-              <a:t>10/25/2009</a:t>
+              <a:t>10/27/2009</a:t>
             </a:fld>
             <a:endParaRPr lang="en-US"/>
           </a:p>
@@ -1411,7 +1411,7 @@
             <a:fld id="{E462F2BE-758A-41B1-9712-5419755F4487}" type="datetimeFigureOut">
               <a:rPr lang="en-US" smtClean="0"/>
               <a:pPr/>
-              <a:t>10/25/2009</a:t>
+              <a:t>10/27/2009</a:t>
             </a:fld>
             <a:endParaRPr lang="en-US"/>
           </a:p>
@@ -1630,7 +1630,7 @@
             <a:fld id="{E462F2BE-758A-41B1-9712-5419755F4487}" type="datetimeFigureOut">
               <a:rPr lang="en-US" smtClean="0"/>
               <a:pPr/>
-              <a:t>10/25/2009</a:t>
+              <a:t>10/27/2009</a:t>
             </a:fld>
             <a:endParaRPr lang="en-US"/>
           </a:p>
@@ -1814,7 +1814,7 @@
             <a:fld id="{E462F2BE-758A-41B1-9712-5419755F4487}" type="datetimeFigureOut">
               <a:rPr lang="en-US" smtClean="0"/>
               <a:pPr/>
-              <a:t>10/25/2009</a:t>
+              <a:t>10/27/2009</a:t>
             </a:fld>
             <a:endParaRPr lang="en-US"/>
           </a:p>
@@ -2071,7 +2071,7 @@
             <a:fld id="{E462F2BE-758A-41B1-9712-5419755F4487}" type="datetimeFigureOut">
               <a:rPr lang="en-US" smtClean="0"/>
               <a:pPr/>
-              <a:t>10/25/2009</a:t>
+              <a:t>10/27/2009</a:t>
             </a:fld>
             <a:endParaRPr lang="en-US"/>
           </a:p>
@@ -2546,7 +2546,7 @@
             <a:fld id="{E462F2BE-758A-41B1-9712-5419755F4487}" type="datetimeFigureOut">
               <a:rPr lang="en-US" smtClean="0"/>
               <a:pPr/>
-              <a:t>10/25/2009</a:t>
+              <a:t>10/27/2009</a:t>
             </a:fld>
             <a:endParaRPr lang="en-US"/>
           </a:p>
@@ -3058,7 +3058,7 @@
             <a:fld id="{E462F2BE-758A-41B1-9712-5419755F4487}" type="datetimeFigureOut">
               <a:rPr lang="en-US" smtClean="0"/>
               <a:pPr/>
-              <a:t>10/25/2009</a:t>
+              <a:t>10/27/2009</a:t>
             </a:fld>
             <a:endParaRPr lang="en-US"/>
           </a:p>
@@ -3161,7 +3161,7 @@
             <a:fld id="{E462F2BE-758A-41B1-9712-5419755F4487}" type="datetimeFigureOut">
               <a:rPr lang="en-US" smtClean="0"/>
               <a:pPr/>
-              <a:t>10/25/2009</a:t>
+              <a:t>10/27/2009</a:t>
             </a:fld>
             <a:endParaRPr lang="en-US"/>
           </a:p>
@@ -3284,7 +3284,7 @@
             <a:fld id="{E462F2BE-758A-41B1-9712-5419755F4487}" type="datetimeFigureOut">
               <a:rPr lang="en-US" smtClean="0"/>
               <a:pPr/>
-              <a:t>10/25/2009</a:t>
+              <a:t>10/27/2009</a:t>
             </a:fld>
             <a:endParaRPr lang="en-US"/>
           </a:p>
@@ -3592,7 +3592,7 @@
             <a:fld id="{E462F2BE-758A-41B1-9712-5419755F4487}" type="datetimeFigureOut">
               <a:rPr lang="en-US" smtClean="0"/>
               <a:pPr/>
-              <a:t>10/25/2009</a:t>
+              <a:t>10/27/2009</a:t>
             </a:fld>
             <a:endParaRPr lang="en-US"/>
           </a:p>
@@ -3799,7 +3799,7 @@
             <a:fld id="{E462F2BE-758A-41B1-9712-5419755F4487}" type="datetimeFigureOut">
               <a:rPr lang="en-US" smtClean="0"/>
               <a:pPr/>
-              <a:t>10/25/2009</a:t>
+              <a:t>10/27/2009</a:t>
             </a:fld>
             <a:endParaRPr lang="en-US"/>
           </a:p>
@@ -4942,7 +4942,7 @@
             <a:fld id="{E462F2BE-758A-41B1-9712-5419755F4487}" type="datetimeFigureOut">
               <a:rPr lang="en-US" smtClean="0"/>
               <a:pPr/>
-              <a:t>10/25/2009</a:t>
+              <a:t>10/27/2009</a:t>
             </a:fld>
             <a:endParaRPr lang="en-US" dirty="0"/>
           </a:p>
@@ -5530,11 +5530,7 @@
             </a:r>
             <a:r>
               <a:rPr lang="en-US" altLang="ja-JP" dirty="0" smtClean="0"/>
-              <a:t>)	 </a:t>
-            </a:r>
-            <a:r>
-              <a:rPr lang="en-US" altLang="ja-JP" dirty="0" smtClean="0"/>
-              <a:t>I</a:t>
+              <a:t>)	 I</a:t>
             </a:r>
             <a:r>
               <a:rPr lang="ja-JP" altLang="en-US" dirty="0" smtClean="0"/>
@@ -5625,15 +5621,7 @@
             </a:r>
             <a:r>
               <a:rPr lang="en-US" altLang="ja-JP" dirty="0" smtClean="0"/>
-              <a:t>IO</a:t>
-            </a:r>
-            <a:r>
-              <a:rPr lang="en-US" altLang="ja-JP" dirty="0" smtClean="0"/>
-              <a:t>	</a:t>
-            </a:r>
-            <a:r>
-              <a:rPr lang="en-US" altLang="ja-JP" dirty="0" smtClean="0"/>
-              <a:t>RT</a:t>
+              <a:t>IO	RT</a:t>
             </a:r>
             <a:r>
               <a:rPr lang="ja-JP" altLang="en-US" dirty="0" smtClean="0"/>
@@ -5773,11 +5761,7 @@
             <a:pPr lvl="2"/>
             <a:r>
               <a:rPr kumimoji="1" lang="ja-JP" altLang="en-US" dirty="0" smtClean="0"/>
-              <a:t>他</a:t>
-            </a:r>
-            <a:r>
-              <a:rPr kumimoji="1" lang="ja-JP" altLang="en-US" dirty="0" smtClean="0"/>
-              <a:t>の部分はなるべくステートを持たない。</a:t>
+              <a:t>他の部分はなるべくステートを持たない。</a:t>
             </a:r>
             <a:endParaRPr kumimoji="1" lang="en-US" altLang="ja-JP" dirty="0" smtClean="0"/>
           </a:p>
@@ -5793,11 +5777,7 @@
             <a:pPr lvl="3"/>
             <a:r>
               <a:rPr lang="ja-JP" altLang="en-US" dirty="0" smtClean="0"/>
-              <a:t>パイプライン化</a:t>
-            </a:r>
-            <a:r>
-              <a:rPr lang="ja-JP" altLang="en-US" dirty="0" smtClean="0"/>
-              <a:t>しやすいかも</a:t>
+              <a:t>パイプライン化しやすいかも</a:t>
             </a:r>
             <a:endParaRPr kumimoji="1" lang="en-US" altLang="ja-JP" dirty="0" smtClean="0"/>
           </a:p>
@@ -5905,11 +5885,7 @@
             </a:r>
             <a:r>
               <a:rPr lang="ja-JP" altLang="en-US" dirty="0" smtClean="0"/>
-              <a:t>にセット</a:t>
-            </a:r>
-            <a:r>
-              <a:rPr lang="ja-JP" altLang="en-US" dirty="0" smtClean="0"/>
-              <a:t>される</a:t>
+              <a:t>にセットされる</a:t>
             </a:r>
             <a:endParaRPr lang="en-US" altLang="ja-JP" dirty="0" smtClean="0"/>
           </a:p>
@@ -6032,11 +6008,7 @@
             </a:r>
             <a:r>
               <a:rPr kumimoji="1" lang="ja-JP" altLang="en-US" dirty="0" smtClean="0"/>
-              <a:t>初め</a:t>
-            </a:r>
-            <a:r>
-              <a:rPr kumimoji="1" lang="ja-JP" altLang="en-US" dirty="0" smtClean="0"/>
-              <a:t>の</a:t>
+              <a:t>初めの</a:t>
             </a:r>
             <a:r>
               <a:rPr kumimoji="1" lang="en-US" altLang="ja-JP" dirty="0" smtClean="0"/>
@@ -6052,15 +6024,7 @@
             </a:r>
             <a:r>
               <a:rPr kumimoji="1" lang="ja-JP" altLang="en-US" dirty="0" smtClean="0"/>
-              <a:t>読み込む</a:t>
-            </a:r>
-            <a:r>
-              <a:rPr kumimoji="1" lang="ja-JP" altLang="en-US" dirty="0" smtClean="0"/>
-              <a:t>プログラムの</a:t>
-            </a:r>
-            <a:r>
-              <a:rPr kumimoji="1" lang="ja-JP" altLang="en-US" dirty="0" smtClean="0"/>
-              <a:t>大きさを指定する</a:t>
+              <a:t>読み込むプログラムの大きさを指定する</a:t>
             </a:r>
             <a:endParaRPr kumimoji="1" lang="ja-JP" altLang="en-US" dirty="0"/>
           </a:p>
@@ -8741,7 +8705,93 @@
           <a:bodyPr/>
           <a:lstStyle/>
           <a:p>
-            <a:endParaRPr kumimoji="1" lang="ja-JP" altLang="en-US"/>
+            <a:r>
+              <a:rPr lang="en-US" altLang="ja-JP" dirty="0" err="1" smtClean="0"/>
+              <a:t>fadd</a:t>
+            </a:r>
+            <a:r>
+              <a:rPr lang="en-US" altLang="ja-JP" dirty="0" smtClean="0"/>
+              <a:t>, </a:t>
+            </a:r>
+            <a:r>
+              <a:rPr lang="en-US" altLang="ja-JP" dirty="0" err="1" smtClean="0"/>
+              <a:t>fsub</a:t>
+            </a:r>
+            <a:r>
+              <a:rPr lang="en-US" altLang="ja-JP" dirty="0" smtClean="0"/>
+              <a:t>, </a:t>
+            </a:r>
+            <a:r>
+              <a:rPr lang="en-US" altLang="ja-JP" dirty="0" err="1" smtClean="0"/>
+              <a:t>fmul</a:t>
+            </a:r>
+            <a:r>
+              <a:rPr lang="en-US" altLang="ja-JP" dirty="0" smtClean="0"/>
+              <a:t> : </a:t>
+            </a:r>
+            <a:r>
+              <a:rPr lang="ja-JP" altLang="en-US" dirty="0" smtClean="0"/>
+              <a:t>ナイーブな計算</a:t>
+            </a:r>
+            <a:endParaRPr lang="en-US" altLang="ja-JP" dirty="0" smtClean="0"/>
+          </a:p>
+          <a:p>
+            <a:r>
+              <a:rPr lang="en-US" altLang="ja-JP" dirty="0" err="1" smtClean="0"/>
+              <a:t>finv</a:t>
+            </a:r>
+            <a:r>
+              <a:rPr lang="en-US" altLang="ja-JP" dirty="0" smtClean="0"/>
+              <a:t> : </a:t>
+            </a:r>
+            <a:r>
+              <a:rPr lang="ja-JP" altLang="en-US" dirty="0" smtClean="0"/>
+              <a:t>区分一次近似</a:t>
+            </a:r>
+            <a:endParaRPr lang="en-US" altLang="ja-JP" dirty="0" smtClean="0"/>
+          </a:p>
+          <a:p>
+            <a:pPr lvl="1"/>
+            <a:r>
+              <a:rPr lang="ja-JP" altLang="en-US" dirty="0" smtClean="0"/>
+              <a:t>テーブルは </a:t>
+            </a:r>
+            <a:r>
+              <a:rPr lang="en-US" altLang="ja-JP" dirty="0" smtClean="0"/>
+              <a:t>2K</a:t>
+            </a:r>
+            <a:r>
+              <a:rPr lang="ja-JP" altLang="en-US" dirty="0" smtClean="0"/>
+              <a:t> エントリ </a:t>
+            </a:r>
+            <a:r>
+              <a:rPr lang="en-US" altLang="ja-JP" dirty="0" smtClean="0"/>
+              <a:t>× 24 bit</a:t>
+            </a:r>
+            <a:endParaRPr lang="en-US" altLang="ja-JP" dirty="0" smtClean="0"/>
+          </a:p>
+          <a:p>
+            <a:r>
+              <a:rPr lang="en-US" altLang="ja-JP" dirty="0" smtClean="0"/>
+              <a:t>float_spec.pdf </a:t>
+            </a:r>
+            <a:r>
+              <a:rPr lang="ja-JP" altLang="en-US" dirty="0" smtClean="0"/>
+              <a:t>の精度を完全に満たしているはず</a:t>
+            </a:r>
+            <a:endParaRPr lang="en-US" altLang="ja-JP" dirty="0" smtClean="0"/>
+          </a:p>
+          <a:p>
+            <a:pPr lvl="1"/>
+            <a:r>
+              <a:rPr lang="ja-JP" altLang="en-US" dirty="0" smtClean="0"/>
+              <a:t>ライブラリの精度</a:t>
+            </a:r>
+            <a:r>
+              <a:rPr lang="ja-JP" altLang="en-US" dirty="0" smtClean="0"/>
+              <a:t>は未検証</a:t>
+            </a:r>
+            <a:endParaRPr kumimoji="1" lang="ja-JP" altLang="en-US" dirty="0"/>
           </a:p>
         </p:txBody>
       </p:sp>
@@ -9228,15 +9278,7 @@
             <a:pPr algn="ctr"/>
             <a:r>
               <a:rPr kumimoji="1" lang="en-US" altLang="ja-JP" sz="800" dirty="0" err="1" smtClean="0"/>
-              <a:t>D</a:t>
-            </a:r>
-            <a:r>
-              <a:rPr kumimoji="1" lang="en-US" altLang="ja-JP" sz="800" dirty="0" err="1" smtClean="0"/>
-              <a:t>C</a:t>
-            </a:r>
-            <a:r>
-              <a:rPr kumimoji="1" lang="en-US" altLang="ja-JP" sz="800" dirty="0" err="1" smtClean="0"/>
-              <a:t>ache</a:t>
+              <a:t>DCache</a:t>
             </a:r>
             <a:endParaRPr kumimoji="1" lang="en-US" altLang="ja-JP" sz="800" dirty="0" smtClean="0"/>
           </a:p>
@@ -9376,11 +9418,7 @@
             <a:pPr algn="ctr"/>
             <a:r>
               <a:rPr kumimoji="1" lang="en-US" altLang="ja-JP" sz="800" dirty="0" smtClean="0"/>
-              <a:t>LS</a:t>
-            </a:r>
-            <a:r>
-              <a:rPr kumimoji="1" lang="en-US" altLang="ja-JP" sz="800" dirty="0" smtClean="0"/>
-              <a:t>U</a:t>
+              <a:t>LSU</a:t>
             </a:r>
             <a:endParaRPr kumimoji="1" lang="ja-JP" altLang="en-US" sz="800" dirty="0"/>
           </a:p>
@@ -10359,7 +10397,6 @@
               <a:rPr kumimoji="1" lang="en-US" altLang="ja-JP" dirty="0" smtClean="0"/>
               <a:t>50Mhz</a:t>
             </a:r>
-            <a:endParaRPr kumimoji="1" lang="en-US" altLang="ja-JP" dirty="0" smtClean="0"/>
           </a:p>
           <a:p>
             <a:r>
@@ -10394,11 +10431,7 @@
             </a:r>
             <a:r>
               <a:rPr kumimoji="1" lang="en-US" altLang="ja-JP" dirty="0" smtClean="0"/>
-              <a:t> </a:t>
-            </a:r>
-            <a:r>
-              <a:rPr kumimoji="1" lang="en-US" altLang="ja-JP" dirty="0" smtClean="0"/>
-              <a:t>2.7</a:t>
+              <a:t> 2.7</a:t>
             </a:r>
           </a:p>
           <a:p>
@@ -10410,7 +10443,6 @@
               <a:rPr kumimoji="1" lang="en-US" altLang="ja-JP" dirty="0" smtClean="0"/>
               <a:t>32bit</a:t>
             </a:r>
-            <a:endParaRPr kumimoji="1" lang="en-US" altLang="ja-JP" dirty="0" smtClean="0"/>
           </a:p>
           <a:p>
             <a:r>
@@ -11159,11 +11191,7 @@
             <a:pPr lvl="1"/>
             <a:r>
               <a:rPr lang="en-US" altLang="ja-JP" dirty="0" smtClean="0"/>
-              <a:t>Op(6) </a:t>
-            </a:r>
-            <a:r>
-              <a:rPr lang="en-US" altLang="ja-JP" dirty="0" smtClean="0"/>
-              <a:t>Rs(5) </a:t>
+              <a:t>Op(6) Rs(5) </a:t>
             </a:r>
             <a:r>
               <a:rPr lang="en-US" altLang="ja-JP" dirty="0" err="1" smtClean="0"/>
@@ -11181,7 +11209,6 @@
               <a:rPr lang="en-US" altLang="ja-JP" dirty="0" smtClean="0"/>
               <a:t>(16) </a:t>
             </a:r>
-            <a:endParaRPr lang="en-US" altLang="ja-JP" dirty="0" smtClean="0"/>
           </a:p>
           <a:p>
             <a:r>
@@ -11198,17 +11225,8 @@
             <a:pPr lvl="1"/>
             <a:r>
               <a:rPr lang="en-US" altLang="ja-JP" dirty="0" smtClean="0"/>
-              <a:t>Op(6</a:t>
-            </a:r>
-            <a:r>
-              <a:rPr lang="en-US" altLang="ja-JP" dirty="0" smtClean="0"/>
-              <a:t>) </a:t>
-            </a:r>
-            <a:r>
-              <a:rPr lang="en-US" altLang="ja-JP" dirty="0" smtClean="0"/>
-              <a:t>Rs(5)</a:t>
-            </a:r>
-            <a:endParaRPr lang="en-US" altLang="ja-JP" dirty="0" smtClean="0"/>
+              <a:t>Op(6) Rs(5)</a:t>
+            </a:r>
           </a:p>
           <a:p>
             <a:r>
@@ -11225,11 +11243,7 @@
             <a:pPr lvl="1"/>
             <a:r>
               <a:rPr lang="en-US" altLang="ja-JP" dirty="0" smtClean="0"/>
-              <a:t>Op(6) Rs(5</a:t>
-            </a:r>
-            <a:r>
-              <a:rPr lang="en-US" altLang="ja-JP" dirty="0" smtClean="0"/>
-              <a:t>) Mask(5) </a:t>
+              <a:t>Op(6) Rs(5) Mask(5) </a:t>
             </a:r>
             <a:r>
               <a:rPr lang="en-US" altLang="ja-JP" dirty="0" err="1" smtClean="0"/>
@@ -11237,13 +11251,8 @@
             </a:r>
             <a:r>
               <a:rPr lang="en-US" altLang="ja-JP" dirty="0" smtClean="0"/>
-              <a:t>(16</a:t>
-            </a:r>
-            <a:r>
-              <a:rPr lang="en-US" altLang="ja-JP" dirty="0" smtClean="0"/>
-              <a:t>)</a:t>
-            </a:r>
-            <a:endParaRPr lang="en-US" altLang="ja-JP" dirty="0" smtClean="0"/>
+              <a:t>(16)</a:t>
+            </a:r>
           </a:p>
           <a:p>
             <a:endParaRPr kumimoji="1" lang="ja-JP" altLang="en-US" dirty="0"/>
@@ -11461,11 +11470,7 @@
             </a:r>
             <a:r>
               <a:rPr lang="en-US" altLang="ja-JP" sz="2700" dirty="0" smtClean="0"/>
-              <a:t>)</a:t>
-            </a:r>
-            <a:r>
-              <a:rPr lang="en-US" altLang="ja-JP" sz="2700" dirty="0" smtClean="0"/>
-              <a:t>	</a:t>
+              <a:t>)	</a:t>
             </a:r>
             <a:r>
               <a:rPr lang="en-US" altLang="ja-JP" sz="2800" dirty="0" smtClean="0"/>
@@ -11586,11 +11591,7 @@
           <a:p>
             <a:r>
               <a:rPr lang="en-US" altLang="ja-JP" dirty="0" smtClean="0"/>
-              <a:t>FPU</a:t>
-            </a:r>
-            <a:r>
-              <a:rPr lang="en-US" altLang="ja-JP" dirty="0" smtClean="0"/>
-              <a:t>	 R</a:t>
+              <a:t>FPU	 R</a:t>
             </a:r>
             <a:r>
               <a:rPr lang="ja-JP" altLang="en-US" dirty="0" smtClean="0"/>
@@ -11713,11 +11714,7 @@
             </a:r>
             <a:r>
               <a:rPr lang="en-US" altLang="ja-JP" dirty="0" smtClean="0"/>
-              <a:t>	 </a:t>
-            </a:r>
-            <a:r>
-              <a:rPr lang="en-US" altLang="ja-JP" dirty="0" smtClean="0"/>
-              <a:t>I</a:t>
+              <a:t>	 I</a:t>
             </a:r>
             <a:r>
               <a:rPr lang="ja-JP" altLang="en-US" dirty="0" smtClean="0"/>
@@ -11758,7 +11755,6 @@
               <a:rPr lang="en-US" altLang="ja-JP" dirty="0" smtClean="0"/>
               <a:t>]</a:t>
             </a:r>
-            <a:endParaRPr lang="en-US" altLang="ja-JP" dirty="0" smtClean="0"/>
           </a:p>
           <a:p>
             <a:pPr lvl="1"/>
@@ -11904,7 +11900,6 @@
               <a:rPr lang="en-US" altLang="ja-JP" dirty="0" smtClean="0"/>
               <a:t>)	</a:t>
             </a:r>
-            <a:endParaRPr lang="en-US" altLang="ja-JP" dirty="0" smtClean="0"/>
           </a:p>
           <a:p>
             <a:pPr lvl="1"/>
@@ -11914,11 +11909,7 @@
             </a:r>
             <a:r>
               <a:rPr lang="en-US" altLang="ja-JP" dirty="0" smtClean="0"/>
-              <a:t>	 </a:t>
-            </a:r>
-            <a:r>
-              <a:rPr lang="en-US" altLang="ja-JP" dirty="0" smtClean="0"/>
-              <a:t>M</a:t>
+              <a:t>	 M</a:t>
             </a:r>
             <a:r>
               <a:rPr lang="ja-JP" altLang="en-US" dirty="0" smtClean="0"/>
@@ -11986,15 +11977,7 @@
             </a:r>
             <a:r>
               <a:rPr lang="en-US" altLang="ja-JP" dirty="0" smtClean="0"/>
-              <a:t>	</a:t>
-            </a:r>
-            <a:r>
-              <a:rPr lang="en-US" altLang="ja-JP" dirty="0" smtClean="0"/>
-              <a:t>	</a:t>
-            </a:r>
-            <a:r>
-              <a:rPr lang="en-US" altLang="ja-JP" dirty="0" smtClean="0"/>
-              <a:t> J</a:t>
+              <a:t>		 J</a:t>
             </a:r>
             <a:r>
               <a:rPr lang="ja-JP" altLang="en-US" dirty="0" smtClean="0"/>
